--- a/Презентация для курсовой.pptx
+++ b/Презентация для курсовой.pptx
@@ -183,7 +183,7 @@
           <a:noFill/>
           <a:extLst>
             <a:ext uri="{909E8E84-426E-40dd-AFC4-6F175D3DCCD1}">
-              <a14:hiddenFill xmlns="" xmlns:a14="http://schemas.microsoft.com/office/drawing/2010/main">
+              <a14:hiddenFill xmlns:a14="http://schemas.microsoft.com/office/drawing/2010/main" xmlns="">
                 <a:solidFill>
                   <a:srgbClr val="FFFFFF"/>
                 </a:solidFill>
@@ -242,7 +242,7 @@
             </a:ln>
             <a:extLst>
               <a:ext uri="{91240B29-F687-4f45-9708-019B960494DF}">
-                <a14:hiddenLine xmlns="" xmlns:a14="http://schemas.microsoft.com/office/drawing/2010/main" w="9525">
+                <a14:hiddenLine xmlns:a14="http://schemas.microsoft.com/office/drawing/2010/main" xmlns="" w="9525">
                   <a:solidFill>
                     <a:srgbClr val="000000"/>
                   </a:solidFill>
@@ -332,7 +332,7 @@
             </a:ln>
             <a:extLst>
               <a:ext uri="{91240B29-F687-4f45-9708-019B960494DF}">
-                <a14:hiddenLine xmlns="" xmlns:a14="http://schemas.microsoft.com/office/drawing/2010/main" w="9525">
+                <a14:hiddenLine xmlns:a14="http://schemas.microsoft.com/office/drawing/2010/main" xmlns="" w="9525">
                   <a:solidFill>
                     <a:srgbClr val="000000"/>
                   </a:solidFill>
@@ -422,7 +422,7 @@
             </a:ln>
             <a:extLst>
               <a:ext uri="{91240B29-F687-4f45-9708-019B960494DF}">
-                <a14:hiddenLine xmlns="" xmlns:a14="http://schemas.microsoft.com/office/drawing/2010/main" w="9525">
+                <a14:hiddenLine xmlns:a14="http://schemas.microsoft.com/office/drawing/2010/main" xmlns="" w="9525">
                   <a:solidFill>
                     <a:srgbClr val="000000"/>
                   </a:solidFill>
@@ -456,7 +456,7 @@
             </a:ln>
             <a:extLst>
               <a:ext uri="{91240B29-F687-4f45-9708-019B960494DF}">
-                <a14:hiddenLine xmlns="" xmlns:a14="http://schemas.microsoft.com/office/drawing/2010/main" w="9525">
+                <a14:hiddenLine xmlns:a14="http://schemas.microsoft.com/office/drawing/2010/main" xmlns="" w="9525">
                   <a:solidFill>
                     <a:srgbClr val="000000"/>
                   </a:solidFill>
@@ -546,7 +546,7 @@
             </a:ln>
             <a:extLst>
               <a:ext uri="{91240B29-F687-4f45-9708-019B960494DF}">
-                <a14:hiddenLine xmlns="" xmlns:a14="http://schemas.microsoft.com/office/drawing/2010/main" w="9525">
+                <a14:hiddenLine xmlns:a14="http://schemas.microsoft.com/office/drawing/2010/main" xmlns="" w="9525">
                   <a:solidFill>
                     <a:srgbClr val="000000"/>
                   </a:solidFill>
@@ -608,7 +608,7 @@
             </a:ln>
             <a:extLst>
               <a:ext uri="{91240B29-F687-4f45-9708-019B960494DF}">
-                <a14:hiddenLine xmlns="" xmlns:a14="http://schemas.microsoft.com/office/drawing/2010/main" w="9525">
+                <a14:hiddenLine xmlns:a14="http://schemas.microsoft.com/office/drawing/2010/main" xmlns="" w="9525">
                   <a:solidFill>
                     <a:srgbClr val="000000"/>
                   </a:solidFill>
@@ -670,7 +670,7 @@
             </a:ln>
             <a:extLst>
               <a:ext uri="{91240B29-F687-4f45-9708-019B960494DF}">
-                <a14:hiddenLine xmlns="" xmlns:a14="http://schemas.microsoft.com/office/drawing/2010/main" w="9525">
+                <a14:hiddenLine xmlns:a14="http://schemas.microsoft.com/office/drawing/2010/main" xmlns="" w="9525">
                   <a:solidFill>
                     <a:srgbClr val="000000"/>
                   </a:solidFill>
@@ -760,7 +760,7 @@
             </a:ln>
             <a:extLst>
               <a:ext uri="{91240B29-F687-4f45-9708-019B960494DF}">
-                <a14:hiddenLine xmlns="" xmlns:a14="http://schemas.microsoft.com/office/drawing/2010/main" w="9525">
+                <a14:hiddenLine xmlns:a14="http://schemas.microsoft.com/office/drawing/2010/main" xmlns="" w="9525">
                   <a:solidFill>
                     <a:srgbClr val="000000"/>
                   </a:solidFill>
@@ -822,7 +822,7 @@
             </a:ln>
             <a:extLst>
               <a:ext uri="{91240B29-F687-4f45-9708-019B960494DF}">
-                <a14:hiddenLine xmlns="" xmlns:a14="http://schemas.microsoft.com/office/drawing/2010/main" w="9525">
+                <a14:hiddenLine xmlns:a14="http://schemas.microsoft.com/office/drawing/2010/main" xmlns="" w="9525">
                   <a:solidFill>
                     <a:srgbClr val="000000"/>
                   </a:solidFill>
@@ -884,7 +884,7 @@
             </a:ln>
             <a:extLst>
               <a:ext uri="{91240B29-F687-4f45-9708-019B960494DF}">
-                <a14:hiddenLine xmlns="" xmlns:a14="http://schemas.microsoft.com/office/drawing/2010/main" w="9525">
+                <a14:hiddenLine xmlns:a14="http://schemas.microsoft.com/office/drawing/2010/main" xmlns="" w="9525">
                   <a:solidFill>
                     <a:srgbClr val="000000"/>
                   </a:solidFill>
@@ -974,7 +974,7 @@
             </a:ln>
             <a:extLst>
               <a:ext uri="{91240B29-F687-4f45-9708-019B960494DF}">
-                <a14:hiddenLine xmlns="" xmlns:a14="http://schemas.microsoft.com/office/drawing/2010/main" w="9525">
+                <a14:hiddenLine xmlns:a14="http://schemas.microsoft.com/office/drawing/2010/main" xmlns="" w="9525">
                   <a:solidFill>
                     <a:srgbClr val="000000"/>
                   </a:solidFill>
@@ -1064,7 +1064,7 @@
             </a:ln>
             <a:extLst>
               <a:ext uri="{91240B29-F687-4f45-9708-019B960494DF}">
-                <a14:hiddenLine xmlns="" xmlns:a14="http://schemas.microsoft.com/office/drawing/2010/main" w="9525">
+                <a14:hiddenLine xmlns:a14="http://schemas.microsoft.com/office/drawing/2010/main" xmlns="" w="9525">
                   <a:solidFill>
                     <a:srgbClr val="000000"/>
                   </a:solidFill>
@@ -1126,7 +1126,7 @@
             </a:ln>
             <a:extLst>
               <a:ext uri="{91240B29-F687-4f45-9708-019B960494DF}">
-                <a14:hiddenLine xmlns="" xmlns:a14="http://schemas.microsoft.com/office/drawing/2010/main" w="9525">
+                <a14:hiddenLine xmlns:a14="http://schemas.microsoft.com/office/drawing/2010/main" xmlns="" w="9525">
                   <a:solidFill>
                     <a:srgbClr val="000000"/>
                   </a:solidFill>
@@ -1236,7 +1236,7 @@
             </a:ln>
             <a:extLst>
               <a:ext uri="{91240B29-F687-4f45-9708-019B960494DF}">
-                <a14:hiddenLine xmlns="" xmlns:a14="http://schemas.microsoft.com/office/drawing/2010/main" w="9525">
+                <a14:hiddenLine xmlns:a14="http://schemas.microsoft.com/office/drawing/2010/main" xmlns="" w="9525">
                   <a:solidFill>
                     <a:srgbClr val="000000"/>
                   </a:solidFill>
@@ -1298,7 +1298,7 @@
             </a:ln>
             <a:extLst>
               <a:ext uri="{91240B29-F687-4f45-9708-019B960494DF}">
-                <a14:hiddenLine xmlns="" xmlns:a14="http://schemas.microsoft.com/office/drawing/2010/main" w="9525">
+                <a14:hiddenLine xmlns:a14="http://schemas.microsoft.com/office/drawing/2010/main" xmlns="" w="9525">
                   <a:solidFill>
                     <a:srgbClr val="000000"/>
                   </a:solidFill>
@@ -1388,7 +1388,7 @@
             </a:ln>
             <a:extLst>
               <a:ext uri="{91240B29-F687-4f45-9708-019B960494DF}">
-                <a14:hiddenLine xmlns="" xmlns:a14="http://schemas.microsoft.com/office/drawing/2010/main" w="9525">
+                <a14:hiddenLine xmlns:a14="http://schemas.microsoft.com/office/drawing/2010/main" xmlns="" w="9525">
                   <a:solidFill>
                     <a:srgbClr val="000000"/>
                   </a:solidFill>
@@ -1478,7 +1478,7 @@
             </a:ln>
             <a:extLst>
               <a:ext uri="{91240B29-F687-4f45-9708-019B960494DF}">
-                <a14:hiddenLine xmlns="" xmlns:a14="http://schemas.microsoft.com/office/drawing/2010/main" w="9525">
+                <a14:hiddenLine xmlns:a14="http://schemas.microsoft.com/office/drawing/2010/main" xmlns="" w="9525">
                   <a:solidFill>
                     <a:srgbClr val="000000"/>
                   </a:solidFill>
@@ -1540,7 +1540,7 @@
             </a:ln>
             <a:extLst>
               <a:ext uri="{91240B29-F687-4f45-9708-019B960494DF}">
-                <a14:hiddenLine xmlns="" xmlns:a14="http://schemas.microsoft.com/office/drawing/2010/main" w="9525">
+                <a14:hiddenLine xmlns:a14="http://schemas.microsoft.com/office/drawing/2010/main" xmlns="" w="9525">
                   <a:solidFill>
                     <a:srgbClr val="000000"/>
                   </a:solidFill>
@@ -1630,7 +1630,7 @@
             </a:ln>
             <a:extLst>
               <a:ext uri="{91240B29-F687-4f45-9708-019B960494DF}">
-                <a14:hiddenLine xmlns="" xmlns:a14="http://schemas.microsoft.com/office/drawing/2010/main" w="9525">
+                <a14:hiddenLine xmlns:a14="http://schemas.microsoft.com/office/drawing/2010/main" xmlns="" w="9525">
                   <a:solidFill>
                     <a:srgbClr val="000000"/>
                   </a:solidFill>
@@ -1720,7 +1720,7 @@
             </a:ln>
             <a:extLst>
               <a:ext uri="{91240B29-F687-4f45-9708-019B960494DF}">
-                <a14:hiddenLine xmlns="" xmlns:a14="http://schemas.microsoft.com/office/drawing/2010/main" w="9525">
+                <a14:hiddenLine xmlns:a14="http://schemas.microsoft.com/office/drawing/2010/main" xmlns="" w="9525">
                   <a:solidFill>
                     <a:srgbClr val="000000"/>
                   </a:solidFill>
@@ -1776,7 +1776,7 @@
             </a:ln>
             <a:extLst>
               <a:ext uri="{91240B29-F687-4f45-9708-019B960494DF}">
-                <a14:hiddenLine xmlns="" xmlns:a14="http://schemas.microsoft.com/office/drawing/2010/main" w="9525">
+                <a14:hiddenLine xmlns:a14="http://schemas.microsoft.com/office/drawing/2010/main" xmlns="" w="9525">
                   <a:solidFill>
                     <a:srgbClr val="000000"/>
                   </a:solidFill>
@@ -1866,7 +1866,7 @@
             </a:ln>
             <a:extLst>
               <a:ext uri="{91240B29-F687-4f45-9708-019B960494DF}">
-                <a14:hiddenLine xmlns="" xmlns:a14="http://schemas.microsoft.com/office/drawing/2010/main" w="9525">
+                <a14:hiddenLine xmlns:a14="http://schemas.microsoft.com/office/drawing/2010/main" xmlns="" w="9525">
                   <a:solidFill>
                     <a:srgbClr val="000000"/>
                   </a:solidFill>
@@ -1922,7 +1922,7 @@
             </a:ln>
             <a:extLst>
               <a:ext uri="{91240B29-F687-4f45-9708-019B960494DF}">
-                <a14:hiddenLine xmlns="" xmlns:a14="http://schemas.microsoft.com/office/drawing/2010/main" w="9525">
+                <a14:hiddenLine xmlns:a14="http://schemas.microsoft.com/office/drawing/2010/main" xmlns="" w="9525">
                   <a:solidFill>
                     <a:srgbClr val="000000"/>
                   </a:solidFill>
@@ -2012,7 +2012,7 @@
             </a:ln>
             <a:extLst>
               <a:ext uri="{91240B29-F687-4f45-9708-019B960494DF}">
-                <a14:hiddenLine xmlns="" xmlns:a14="http://schemas.microsoft.com/office/drawing/2010/main" w="9525">
+                <a14:hiddenLine xmlns:a14="http://schemas.microsoft.com/office/drawing/2010/main" xmlns="" w="9525">
                   <a:solidFill>
                     <a:srgbClr val="000000"/>
                   </a:solidFill>
@@ -2080,7 +2080,7 @@
             </a:ln>
             <a:extLst>
               <a:ext uri="{91240B29-F687-4f45-9708-019B960494DF}">
-                <a14:hiddenLine xmlns="" xmlns:a14="http://schemas.microsoft.com/office/drawing/2010/main" w="9525">
+                <a14:hiddenLine xmlns:a14="http://schemas.microsoft.com/office/drawing/2010/main" xmlns="" w="9525">
                   <a:solidFill>
                     <a:srgbClr val="000000"/>
                   </a:solidFill>
@@ -2170,7 +2170,7 @@
             </a:ln>
             <a:extLst>
               <a:ext uri="{91240B29-F687-4f45-9708-019B960494DF}">
-                <a14:hiddenLine xmlns="" xmlns:a14="http://schemas.microsoft.com/office/drawing/2010/main" w="9525">
+                <a14:hiddenLine xmlns:a14="http://schemas.microsoft.com/office/drawing/2010/main" xmlns="" w="9525">
                   <a:solidFill>
                     <a:srgbClr val="000000"/>
                   </a:solidFill>
@@ -2238,7 +2238,7 @@
             </a:ln>
             <a:extLst>
               <a:ext uri="{91240B29-F687-4f45-9708-019B960494DF}">
-                <a14:hiddenLine xmlns="" xmlns:a14="http://schemas.microsoft.com/office/drawing/2010/main" w="9525">
+                <a14:hiddenLine xmlns:a14="http://schemas.microsoft.com/office/drawing/2010/main" xmlns="" w="9525">
                   <a:solidFill>
                     <a:srgbClr val="000000"/>
                   </a:solidFill>
@@ -2328,7 +2328,7 @@
             </a:ln>
             <a:extLst>
               <a:ext uri="{91240B29-F687-4f45-9708-019B960494DF}">
-                <a14:hiddenLine xmlns="" xmlns:a14="http://schemas.microsoft.com/office/drawing/2010/main" w="9525">
+                <a14:hiddenLine xmlns:a14="http://schemas.microsoft.com/office/drawing/2010/main" xmlns="" w="9525">
                   <a:solidFill>
                     <a:srgbClr val="000000"/>
                   </a:solidFill>
@@ -2362,7 +2362,7 @@
             </a:ln>
             <a:extLst>
               <a:ext uri="{91240B29-F687-4f45-9708-019B960494DF}">
-                <a14:hiddenLine xmlns="" xmlns:a14="http://schemas.microsoft.com/office/drawing/2010/main" w="9525">
+                <a14:hiddenLine xmlns:a14="http://schemas.microsoft.com/office/drawing/2010/main" xmlns="" w="9525">
                   <a:solidFill>
                     <a:srgbClr val="000000"/>
                   </a:solidFill>
@@ -2452,7 +2452,7 @@
             </a:ln>
             <a:extLst>
               <a:ext uri="{91240B29-F687-4f45-9708-019B960494DF}">
-                <a14:hiddenLine xmlns="" xmlns:a14="http://schemas.microsoft.com/office/drawing/2010/main" w="9525">
+                <a14:hiddenLine xmlns:a14="http://schemas.microsoft.com/office/drawing/2010/main" xmlns="" w="9525">
                   <a:solidFill>
                     <a:srgbClr val="000000"/>
                   </a:solidFill>
@@ -2514,7 +2514,7 @@
             </a:ln>
             <a:extLst>
               <a:ext uri="{91240B29-F687-4f45-9708-019B960494DF}">
-                <a14:hiddenLine xmlns="" xmlns:a14="http://schemas.microsoft.com/office/drawing/2010/main" w="9525">
+                <a14:hiddenLine xmlns:a14="http://schemas.microsoft.com/office/drawing/2010/main" xmlns="" w="9525">
                   <a:solidFill>
                     <a:srgbClr val="000000"/>
                   </a:solidFill>
@@ -2576,7 +2576,7 @@
             </a:ln>
             <a:extLst>
               <a:ext uri="{91240B29-F687-4f45-9708-019B960494DF}">
-                <a14:hiddenLine xmlns="" xmlns:a14="http://schemas.microsoft.com/office/drawing/2010/main" w="9525">
+                <a14:hiddenLine xmlns:a14="http://schemas.microsoft.com/office/drawing/2010/main" xmlns="" w="9525">
                   <a:solidFill>
                     <a:srgbClr val="000000"/>
                   </a:solidFill>
@@ -2666,7 +2666,7 @@
             </a:ln>
             <a:extLst>
               <a:ext uri="{91240B29-F687-4f45-9708-019B960494DF}">
-                <a14:hiddenLine xmlns="" xmlns:a14="http://schemas.microsoft.com/office/drawing/2010/main" w="9525">
+                <a14:hiddenLine xmlns:a14="http://schemas.microsoft.com/office/drawing/2010/main" xmlns="" w="9525">
                   <a:solidFill>
                     <a:srgbClr val="000000"/>
                   </a:solidFill>
@@ -2734,7 +2734,7 @@
             </a:ln>
             <a:extLst>
               <a:ext uri="{91240B29-F687-4f45-9708-019B960494DF}">
-                <a14:hiddenLine xmlns="" xmlns:a14="http://schemas.microsoft.com/office/drawing/2010/main" w="9525">
+                <a14:hiddenLine xmlns:a14="http://schemas.microsoft.com/office/drawing/2010/main" xmlns="" w="9525">
                   <a:solidFill>
                     <a:srgbClr val="000000"/>
                   </a:solidFill>
@@ -2796,7 +2796,7 @@
             </a:ln>
             <a:extLst>
               <a:ext uri="{91240B29-F687-4f45-9708-019B960494DF}">
-                <a14:hiddenLine xmlns="" xmlns:a14="http://schemas.microsoft.com/office/drawing/2010/main" w="9525">
+                <a14:hiddenLine xmlns:a14="http://schemas.microsoft.com/office/drawing/2010/main" xmlns="" w="9525">
                   <a:solidFill>
                     <a:srgbClr val="000000"/>
                   </a:solidFill>
@@ -2886,7 +2886,7 @@
             </a:ln>
             <a:extLst>
               <a:ext uri="{91240B29-F687-4f45-9708-019B960494DF}">
-                <a14:hiddenLine xmlns="" xmlns:a14="http://schemas.microsoft.com/office/drawing/2010/main" w="9525">
+                <a14:hiddenLine xmlns:a14="http://schemas.microsoft.com/office/drawing/2010/main" xmlns="" w="9525">
                   <a:solidFill>
                     <a:srgbClr val="000000"/>
                   </a:solidFill>
@@ -2948,7 +2948,7 @@
             </a:ln>
             <a:extLst>
               <a:ext uri="{91240B29-F687-4f45-9708-019B960494DF}">
-                <a14:hiddenLine xmlns="" xmlns:a14="http://schemas.microsoft.com/office/drawing/2010/main" w="9525">
+                <a14:hiddenLine xmlns:a14="http://schemas.microsoft.com/office/drawing/2010/main" xmlns="" w="9525">
                   <a:solidFill>
                     <a:srgbClr val="000000"/>
                   </a:solidFill>
@@ -3038,7 +3038,7 @@
             </a:ln>
             <a:extLst>
               <a:ext uri="{91240B29-F687-4f45-9708-019B960494DF}">
-                <a14:hiddenLine xmlns="" xmlns:a14="http://schemas.microsoft.com/office/drawing/2010/main" w="9525">
+                <a14:hiddenLine xmlns:a14="http://schemas.microsoft.com/office/drawing/2010/main" xmlns="" w="9525">
                   <a:solidFill>
                     <a:srgbClr val="000000"/>
                   </a:solidFill>
@@ -3100,7 +3100,7 @@
             </a:ln>
             <a:extLst>
               <a:ext uri="{91240B29-F687-4f45-9708-019B960494DF}">
-                <a14:hiddenLine xmlns="" xmlns:a14="http://schemas.microsoft.com/office/drawing/2010/main" w="9525">
+                <a14:hiddenLine xmlns:a14="http://schemas.microsoft.com/office/drawing/2010/main" xmlns="" w="9525">
                   <a:solidFill>
                     <a:srgbClr val="000000"/>
                   </a:solidFill>
@@ -3190,7 +3190,7 @@
             </a:ln>
             <a:extLst>
               <a:ext uri="{91240B29-F687-4f45-9708-019B960494DF}">
-                <a14:hiddenLine xmlns="" xmlns:a14="http://schemas.microsoft.com/office/drawing/2010/main" w="9525">
+                <a14:hiddenLine xmlns:a14="http://schemas.microsoft.com/office/drawing/2010/main" xmlns="" w="9525">
                   <a:solidFill>
                     <a:srgbClr val="000000"/>
                   </a:solidFill>
@@ -3224,7 +3224,7 @@
             </a:ln>
             <a:extLst>
               <a:ext uri="{91240B29-F687-4f45-9708-019B960494DF}">
-                <a14:hiddenLine xmlns="" xmlns:a14="http://schemas.microsoft.com/office/drawing/2010/main" w="9525">
+                <a14:hiddenLine xmlns:a14="http://schemas.microsoft.com/office/drawing/2010/main" xmlns="" w="9525">
                   <a:solidFill>
                     <a:srgbClr val="000000"/>
                   </a:solidFill>
@@ -3289,7 +3289,7 @@
             </a:ln>
             <a:extLst>
               <a:ext uri="{91240B29-F687-4f45-9708-019B960494DF}">
-                <a14:hiddenLine xmlns="" xmlns:a14="http://schemas.microsoft.com/office/drawing/2010/main" w="9525">
+                <a14:hiddenLine xmlns:a14="http://schemas.microsoft.com/office/drawing/2010/main" xmlns="" w="9525">
                   <a:solidFill>
                     <a:srgbClr val="000000"/>
                   </a:solidFill>
@@ -3379,7 +3379,7 @@
             </a:ln>
             <a:extLst>
               <a:ext uri="{91240B29-F687-4f45-9708-019B960494DF}">
-                <a14:hiddenLine xmlns="" xmlns:a14="http://schemas.microsoft.com/office/drawing/2010/main" w="9525">
+                <a14:hiddenLine xmlns:a14="http://schemas.microsoft.com/office/drawing/2010/main" xmlns="" w="9525">
                   <a:solidFill>
                     <a:srgbClr val="000000"/>
                   </a:solidFill>
@@ -3441,7 +3441,7 @@
             </a:ln>
             <a:extLst>
               <a:ext uri="{91240B29-F687-4f45-9708-019B960494DF}">
-                <a14:hiddenLine xmlns="" xmlns:a14="http://schemas.microsoft.com/office/drawing/2010/main" w="9525">
+                <a14:hiddenLine xmlns:a14="http://schemas.microsoft.com/office/drawing/2010/main" xmlns="" w="9525">
                   <a:solidFill>
                     <a:srgbClr val="000000"/>
                   </a:solidFill>
@@ -3531,7 +3531,7 @@
             </a:ln>
             <a:extLst>
               <a:ext uri="{91240B29-F687-4f45-9708-019B960494DF}">
-                <a14:hiddenLine xmlns="" xmlns:a14="http://schemas.microsoft.com/office/drawing/2010/main" w="9525">
+                <a14:hiddenLine xmlns:a14="http://schemas.microsoft.com/office/drawing/2010/main" xmlns="" w="9525">
                   <a:solidFill>
                     <a:srgbClr val="000000"/>
                   </a:solidFill>
@@ -3621,7 +3621,7 @@
             </a:ln>
             <a:extLst>
               <a:ext uri="{91240B29-F687-4f45-9708-019B960494DF}">
-                <a14:hiddenLine xmlns="" xmlns:a14="http://schemas.microsoft.com/office/drawing/2010/main" w="9525">
+                <a14:hiddenLine xmlns:a14="http://schemas.microsoft.com/office/drawing/2010/main" xmlns="" w="9525">
                   <a:solidFill>
                     <a:srgbClr val="000000"/>
                   </a:solidFill>
@@ -3686,7 +3686,7 @@
             </a:ln>
             <a:extLst>
               <a:ext uri="{91240B29-F687-4f45-9708-019B960494DF}">
-                <a14:hiddenLine xmlns="" xmlns:a14="http://schemas.microsoft.com/office/drawing/2010/main" w="9525">
+                <a14:hiddenLine xmlns:a14="http://schemas.microsoft.com/office/drawing/2010/main" xmlns="" w="9525">
                   <a:solidFill>
                     <a:srgbClr val="000000"/>
                   </a:solidFill>
@@ -3748,7 +3748,7 @@
             </a:ln>
             <a:extLst>
               <a:ext uri="{91240B29-F687-4f45-9708-019B960494DF}">
-                <a14:hiddenLine xmlns="" xmlns:a14="http://schemas.microsoft.com/office/drawing/2010/main" w="9525">
+                <a14:hiddenLine xmlns:a14="http://schemas.microsoft.com/office/drawing/2010/main" xmlns="" w="9525">
                   <a:solidFill>
                     <a:srgbClr val="000000"/>
                   </a:solidFill>
@@ -3838,7 +3838,7 @@
             </a:ln>
             <a:extLst>
               <a:ext uri="{91240B29-F687-4f45-9708-019B960494DF}">
-                <a14:hiddenLine xmlns="" xmlns:a14="http://schemas.microsoft.com/office/drawing/2010/main" w="9525">
+                <a14:hiddenLine xmlns:a14="http://schemas.microsoft.com/office/drawing/2010/main" xmlns="" w="9525">
                   <a:solidFill>
                     <a:srgbClr val="000000"/>
                   </a:solidFill>
@@ -3928,7 +3928,7 @@
             </a:ln>
             <a:extLst>
               <a:ext uri="{91240B29-F687-4f45-9708-019B960494DF}">
-                <a14:hiddenLine xmlns="" xmlns:a14="http://schemas.microsoft.com/office/drawing/2010/main" w="9525">
+                <a14:hiddenLine xmlns:a14="http://schemas.microsoft.com/office/drawing/2010/main" xmlns="" w="9525">
                   <a:solidFill>
                     <a:srgbClr val="000000"/>
                   </a:solidFill>
@@ -3990,7 +3990,7 @@
             </a:ln>
             <a:extLst>
               <a:ext uri="{91240B29-F687-4f45-9708-019B960494DF}">
-                <a14:hiddenLine xmlns="" xmlns:a14="http://schemas.microsoft.com/office/drawing/2010/main" w="9525">
+                <a14:hiddenLine xmlns:a14="http://schemas.microsoft.com/office/drawing/2010/main" xmlns="" w="9525">
                   <a:solidFill>
                     <a:srgbClr val="000000"/>
                   </a:solidFill>
@@ -4110,7 +4110,7 @@
             </a:ln>
             <a:extLst>
               <a:ext uri="{91240B29-F687-4f45-9708-019B960494DF}">
-                <a14:hiddenLine xmlns="" xmlns:a14="http://schemas.microsoft.com/office/drawing/2010/main" w="9525">
+                <a14:hiddenLine xmlns:a14="http://schemas.microsoft.com/office/drawing/2010/main" xmlns="" w="9525">
                   <a:solidFill>
                     <a:srgbClr val="000000"/>
                   </a:solidFill>
@@ -4178,7 +4178,7 @@
             </a:ln>
             <a:extLst>
               <a:ext uri="{91240B29-F687-4f45-9708-019B960494DF}">
-                <a14:hiddenLine xmlns="" xmlns:a14="http://schemas.microsoft.com/office/drawing/2010/main" w="9525">
+                <a14:hiddenLine xmlns:a14="http://schemas.microsoft.com/office/drawing/2010/main" xmlns="" w="9525">
                   <a:solidFill>
                     <a:srgbClr val="000000"/>
                   </a:solidFill>
@@ -4268,7 +4268,7 @@
             </a:ln>
             <a:extLst>
               <a:ext uri="{91240B29-F687-4f45-9708-019B960494DF}">
-                <a14:hiddenLine xmlns="" xmlns:a14="http://schemas.microsoft.com/office/drawing/2010/main" w="9525">
+                <a14:hiddenLine xmlns:a14="http://schemas.microsoft.com/office/drawing/2010/main" xmlns="" w="9525">
                   <a:solidFill>
                     <a:srgbClr val="000000"/>
                   </a:solidFill>
@@ -4408,7 +4408,7 @@
           <a:p>
             <a:fld id="{E4FF0E52-0D25-4E4F-83CF-2907FAB66A12}" type="datetimeFigureOut">
               <a:rPr lang="ru-RU" smtClean="0"/>
-              <a:t>06.06.2022</a:t>
+              <a:t>07.06.2022</a:t>
             </a:fld>
             <a:endParaRPr lang="ru-RU"/>
           </a:p>
@@ -4694,7 +4694,7 @@
           <a:p>
             <a:fld id="{E4FF0E52-0D25-4E4F-83CF-2907FAB66A12}" type="datetimeFigureOut">
               <a:rPr lang="ru-RU" smtClean="0"/>
-              <a:t>06.06.2022</a:t>
+              <a:t>07.06.2022</a:t>
             </a:fld>
             <a:endParaRPr lang="ru-RU"/>
           </a:p>
@@ -4909,7 +4909,7 @@
           <a:p>
             <a:fld id="{E4FF0E52-0D25-4E4F-83CF-2907FAB66A12}" type="datetimeFigureOut">
               <a:rPr lang="ru-RU" smtClean="0"/>
-              <a:t>06.06.2022</a:t>
+              <a:t>07.06.2022</a:t>
             </a:fld>
             <a:endParaRPr lang="ru-RU"/>
           </a:p>
@@ -5191,7 +5191,7 @@
           <a:p>
             <a:fld id="{E4FF0E52-0D25-4E4F-83CF-2907FAB66A12}" type="datetimeFigureOut">
               <a:rPr lang="ru-RU" smtClean="0"/>
-              <a:t>06.06.2022</a:t>
+              <a:t>07.06.2022</a:t>
             </a:fld>
             <a:endParaRPr lang="ru-RU"/>
           </a:p>
@@ -5644,7 +5644,7 @@
           <a:p>
             <a:fld id="{E4FF0E52-0D25-4E4F-83CF-2907FAB66A12}" type="datetimeFigureOut">
               <a:rPr lang="ru-RU" smtClean="0"/>
-              <a:t>06.06.2022</a:t>
+              <a:t>07.06.2022</a:t>
             </a:fld>
             <a:endParaRPr lang="ru-RU"/>
           </a:p>
@@ -6209,7 +6209,7 @@
           <a:p>
             <a:fld id="{E4FF0E52-0D25-4E4F-83CF-2907FAB66A12}" type="datetimeFigureOut">
               <a:rPr lang="ru-RU" smtClean="0"/>
-              <a:t>06.06.2022</a:t>
+              <a:t>07.06.2022</a:t>
             </a:fld>
             <a:endParaRPr lang="ru-RU"/>
           </a:p>
@@ -6948,7 +6948,7 @@
           <a:p>
             <a:fld id="{E4FF0E52-0D25-4E4F-83CF-2907FAB66A12}" type="datetimeFigureOut">
               <a:rPr lang="ru-RU" smtClean="0"/>
-              <a:t>06.06.2022</a:t>
+              <a:t>07.06.2022</a:t>
             </a:fld>
             <a:endParaRPr lang="ru-RU"/>
           </a:p>
@@ -7137,7 +7137,7 @@
           <a:p>
             <a:fld id="{E4FF0E52-0D25-4E4F-83CF-2907FAB66A12}" type="datetimeFigureOut">
               <a:rPr lang="ru-RU" smtClean="0"/>
-              <a:t>06.06.2022</a:t>
+              <a:t>07.06.2022</a:t>
             </a:fld>
             <a:endParaRPr lang="ru-RU"/>
           </a:p>
@@ -7336,7 +7336,7 @@
           <a:p>
             <a:fld id="{E4FF0E52-0D25-4E4F-83CF-2907FAB66A12}" type="datetimeFigureOut">
               <a:rPr lang="ru-RU" smtClean="0"/>
-              <a:t>06.06.2022</a:t>
+              <a:t>07.06.2022</a:t>
             </a:fld>
             <a:endParaRPr lang="ru-RU"/>
           </a:p>
@@ -7525,7 +7525,7 @@
           <a:p>
             <a:fld id="{E4FF0E52-0D25-4E4F-83CF-2907FAB66A12}" type="datetimeFigureOut">
               <a:rPr lang="ru-RU" smtClean="0"/>
-              <a:t>06.06.2022</a:t>
+              <a:t>07.06.2022</a:t>
             </a:fld>
             <a:endParaRPr lang="ru-RU"/>
           </a:p>
@@ -7794,7 +7794,7 @@
           <a:p>
             <a:fld id="{E4FF0E52-0D25-4E4F-83CF-2907FAB66A12}" type="datetimeFigureOut">
               <a:rPr lang="ru-RU" smtClean="0"/>
-              <a:t>06.06.2022</a:t>
+              <a:t>07.06.2022</a:t>
             </a:fld>
             <a:endParaRPr lang="ru-RU"/>
           </a:p>
@@ -8045,7 +8045,7 @@
           <a:p>
             <a:fld id="{E4FF0E52-0D25-4E4F-83CF-2907FAB66A12}" type="datetimeFigureOut">
               <a:rPr lang="ru-RU" smtClean="0"/>
-              <a:t>06.06.2022</a:t>
+              <a:t>07.06.2022</a:t>
             </a:fld>
             <a:endParaRPr lang="ru-RU"/>
           </a:p>
@@ -8445,7 +8445,7 @@
           <a:p>
             <a:fld id="{E4FF0E52-0D25-4E4F-83CF-2907FAB66A12}" type="datetimeFigureOut">
               <a:rPr lang="ru-RU" smtClean="0"/>
-              <a:t>06.06.2022</a:t>
+              <a:t>07.06.2022</a:t>
             </a:fld>
             <a:endParaRPr lang="ru-RU"/>
           </a:p>
@@ -8582,7 +8582,7 @@
           <a:p>
             <a:fld id="{E4FF0E52-0D25-4E4F-83CF-2907FAB66A12}" type="datetimeFigureOut">
               <a:rPr lang="ru-RU" smtClean="0"/>
-              <a:t>06.06.2022</a:t>
+              <a:t>07.06.2022</a:t>
             </a:fld>
             <a:endParaRPr lang="ru-RU"/>
           </a:p>
@@ -8696,7 +8696,7 @@
           <a:p>
             <a:fld id="{E4FF0E52-0D25-4E4F-83CF-2907FAB66A12}" type="datetimeFigureOut">
               <a:rPr lang="ru-RU" smtClean="0"/>
-              <a:t>06.06.2022</a:t>
+              <a:t>07.06.2022</a:t>
             </a:fld>
             <a:endParaRPr lang="ru-RU"/>
           </a:p>
@@ -8964,7 +8964,7 @@
           <a:p>
             <a:fld id="{E4FF0E52-0D25-4E4F-83CF-2907FAB66A12}" type="datetimeFigureOut">
               <a:rPr lang="ru-RU" smtClean="0"/>
-              <a:t>06.06.2022</a:t>
+              <a:t>07.06.2022</a:t>
             </a:fld>
             <a:endParaRPr lang="ru-RU"/>
           </a:p>
@@ -9263,7 +9263,7 @@
           <a:p>
             <a:fld id="{E4FF0E52-0D25-4E4F-83CF-2907FAB66A12}" type="datetimeFigureOut">
               <a:rPr lang="ru-RU" smtClean="0"/>
-              <a:t>06.06.2022</a:t>
+              <a:t>07.06.2022</a:t>
             </a:fld>
             <a:endParaRPr lang="ru-RU"/>
           </a:p>
@@ -9405,7 +9405,7 @@
           <a:noFill/>
           <a:extLst>
             <a:ext uri="{909E8E84-426E-40dd-AFC4-6F175D3DCCD1}">
-              <a14:hiddenFill xmlns="" xmlns:a14="http://schemas.microsoft.com/office/drawing/2010/main">
+              <a14:hiddenFill xmlns:a14="http://schemas.microsoft.com/office/drawing/2010/main" xmlns="">
                 <a:solidFill>
                   <a:srgbClr val="FFFFFF"/>
                 </a:solidFill>
@@ -9479,7 +9479,7 @@
               </a:ln>
               <a:extLst>
                 <a:ext uri="{91240B29-F687-4f45-9708-019B960494DF}">
-                  <a14:hiddenLine xmlns="" xmlns:a14="http://schemas.microsoft.com/office/drawing/2010/main" w="9525">
+                  <a14:hiddenLine xmlns:a14="http://schemas.microsoft.com/office/drawing/2010/main" xmlns="" w="9525">
                     <a:solidFill>
                       <a:srgbClr val="000000"/>
                     </a:solidFill>
@@ -9569,7 +9569,7 @@
               </a:ln>
               <a:extLst>
                 <a:ext uri="{91240B29-F687-4f45-9708-019B960494DF}">
-                  <a14:hiddenLine xmlns="" xmlns:a14="http://schemas.microsoft.com/office/drawing/2010/main" w="9525">
+                  <a14:hiddenLine xmlns:a14="http://schemas.microsoft.com/office/drawing/2010/main" xmlns="" w="9525">
                     <a:solidFill>
                       <a:srgbClr val="000000"/>
                     </a:solidFill>
@@ -9659,7 +9659,7 @@
               </a:ln>
               <a:extLst>
                 <a:ext uri="{91240B29-F687-4f45-9708-019B960494DF}">
-                  <a14:hiddenLine xmlns="" xmlns:a14="http://schemas.microsoft.com/office/drawing/2010/main" w="9525">
+                  <a14:hiddenLine xmlns:a14="http://schemas.microsoft.com/office/drawing/2010/main" xmlns="" w="9525">
                     <a:solidFill>
                       <a:srgbClr val="000000"/>
                     </a:solidFill>
@@ -9721,7 +9721,7 @@
               </a:ln>
               <a:extLst>
                 <a:ext uri="{91240B29-F687-4f45-9708-019B960494DF}">
-                  <a14:hiddenLine xmlns="" xmlns:a14="http://schemas.microsoft.com/office/drawing/2010/main" w="9525">
+                  <a14:hiddenLine xmlns:a14="http://schemas.microsoft.com/office/drawing/2010/main" xmlns="" w="9525">
                     <a:solidFill>
                       <a:srgbClr val="000000"/>
                     </a:solidFill>
@@ -9811,7 +9811,7 @@
               </a:ln>
               <a:extLst>
                 <a:ext uri="{91240B29-F687-4f45-9708-019B960494DF}">
-                  <a14:hiddenLine xmlns="" xmlns:a14="http://schemas.microsoft.com/office/drawing/2010/main" w="9525">
+                  <a14:hiddenLine xmlns:a14="http://schemas.microsoft.com/office/drawing/2010/main" xmlns="" w="9525">
                     <a:solidFill>
                       <a:srgbClr val="000000"/>
                     </a:solidFill>
@@ -9873,7 +9873,7 @@
               </a:ln>
               <a:extLst>
                 <a:ext uri="{91240B29-F687-4f45-9708-019B960494DF}">
-                  <a14:hiddenLine xmlns="" xmlns:a14="http://schemas.microsoft.com/office/drawing/2010/main" w="9525">
+                  <a14:hiddenLine xmlns:a14="http://schemas.microsoft.com/office/drawing/2010/main" xmlns="" w="9525">
                     <a:solidFill>
                       <a:srgbClr val="000000"/>
                     </a:solidFill>
@@ -9935,7 +9935,7 @@
               </a:ln>
               <a:extLst>
                 <a:ext uri="{91240B29-F687-4f45-9708-019B960494DF}">
-                  <a14:hiddenLine xmlns="" xmlns:a14="http://schemas.microsoft.com/office/drawing/2010/main" w="9525">
+                  <a14:hiddenLine xmlns:a14="http://schemas.microsoft.com/office/drawing/2010/main" xmlns="" w="9525">
                     <a:solidFill>
                       <a:srgbClr val="000000"/>
                     </a:solidFill>
@@ -10025,7 +10025,7 @@
               </a:ln>
               <a:extLst>
                 <a:ext uri="{91240B29-F687-4f45-9708-019B960494DF}">
-                  <a14:hiddenLine xmlns="" xmlns:a14="http://schemas.microsoft.com/office/drawing/2010/main" w="9525">
+                  <a14:hiddenLine xmlns:a14="http://schemas.microsoft.com/office/drawing/2010/main" xmlns="" w="9525">
                     <a:solidFill>
                       <a:srgbClr val="000000"/>
                     </a:solidFill>
@@ -10115,7 +10115,7 @@
               </a:ln>
               <a:extLst>
                 <a:ext uri="{91240B29-F687-4f45-9708-019B960494DF}">
-                  <a14:hiddenLine xmlns="" xmlns:a14="http://schemas.microsoft.com/office/drawing/2010/main" w="9525">
+                  <a14:hiddenLine xmlns:a14="http://schemas.microsoft.com/office/drawing/2010/main" xmlns="" w="9525">
                     <a:solidFill>
                       <a:srgbClr val="000000"/>
                     </a:solidFill>
@@ -10177,7 +10177,7 @@
               </a:ln>
               <a:extLst>
                 <a:ext uri="{91240B29-F687-4f45-9708-019B960494DF}">
-                  <a14:hiddenLine xmlns="" xmlns:a14="http://schemas.microsoft.com/office/drawing/2010/main" w="9525">
+                  <a14:hiddenLine xmlns:a14="http://schemas.microsoft.com/office/drawing/2010/main" xmlns="" w="9525">
                     <a:solidFill>
                       <a:srgbClr val="000000"/>
                     </a:solidFill>
@@ -10287,7 +10287,7 @@
               </a:ln>
               <a:extLst>
                 <a:ext uri="{91240B29-F687-4f45-9708-019B960494DF}">
-                  <a14:hiddenLine xmlns="" xmlns:a14="http://schemas.microsoft.com/office/drawing/2010/main" w="9525">
+                  <a14:hiddenLine xmlns:a14="http://schemas.microsoft.com/office/drawing/2010/main" xmlns="" w="9525">
                     <a:solidFill>
                       <a:srgbClr val="000000"/>
                     </a:solidFill>
@@ -10371,7 +10371,7 @@
               </a:ln>
               <a:extLst>
                 <a:ext uri="{91240B29-F687-4f45-9708-019B960494DF}">
-                  <a14:hiddenLine xmlns="" xmlns:a14="http://schemas.microsoft.com/office/drawing/2010/main" w="9525">
+                  <a14:hiddenLine xmlns:a14="http://schemas.microsoft.com/office/drawing/2010/main" xmlns="" w="9525">
                     <a:solidFill>
                       <a:srgbClr val="000000"/>
                     </a:solidFill>
@@ -10433,7 +10433,7 @@
               </a:ln>
               <a:extLst>
                 <a:ext uri="{91240B29-F687-4f45-9708-019B960494DF}">
-                  <a14:hiddenLine xmlns="" xmlns:a14="http://schemas.microsoft.com/office/drawing/2010/main" w="9525">
+                  <a14:hiddenLine xmlns:a14="http://schemas.microsoft.com/office/drawing/2010/main" xmlns="" w="9525">
                     <a:solidFill>
                       <a:srgbClr val="000000"/>
                     </a:solidFill>
@@ -10495,7 +10495,7 @@
               </a:ln>
               <a:extLst>
                 <a:ext uri="{91240B29-F687-4f45-9708-019B960494DF}">
-                  <a14:hiddenLine xmlns="" xmlns:a14="http://schemas.microsoft.com/office/drawing/2010/main" w="9525">
+                  <a14:hiddenLine xmlns:a14="http://schemas.microsoft.com/office/drawing/2010/main" xmlns="" w="9525">
                     <a:solidFill>
                       <a:srgbClr val="000000"/>
                     </a:solidFill>
@@ -10585,7 +10585,7 @@
               </a:ln>
               <a:extLst>
                 <a:ext uri="{91240B29-F687-4f45-9708-019B960494DF}">
-                  <a14:hiddenLine xmlns="" xmlns:a14="http://schemas.microsoft.com/office/drawing/2010/main" w="9525">
+                  <a14:hiddenLine xmlns:a14="http://schemas.microsoft.com/office/drawing/2010/main" xmlns="" w="9525">
                     <a:solidFill>
                       <a:srgbClr val="000000"/>
                     </a:solidFill>
@@ -10619,7 +10619,7 @@
               </a:ln>
               <a:extLst>
                 <a:ext uri="{91240B29-F687-4f45-9708-019B960494DF}">
-                  <a14:hiddenLine xmlns="" xmlns:a14="http://schemas.microsoft.com/office/drawing/2010/main" w="9525">
+                  <a14:hiddenLine xmlns:a14="http://schemas.microsoft.com/office/drawing/2010/main" xmlns="" w="9525">
                     <a:solidFill>
                       <a:srgbClr val="000000"/>
                     </a:solidFill>
@@ -10684,7 +10684,7 @@
               </a:ln>
               <a:extLst>
                 <a:ext uri="{91240B29-F687-4f45-9708-019B960494DF}">
-                  <a14:hiddenLine xmlns="" xmlns:a14="http://schemas.microsoft.com/office/drawing/2010/main" w="9525">
+                  <a14:hiddenLine xmlns:a14="http://schemas.microsoft.com/office/drawing/2010/main" xmlns="" w="9525">
                     <a:solidFill>
                       <a:srgbClr val="000000"/>
                     </a:solidFill>
@@ -10774,7 +10774,7 @@
               </a:ln>
               <a:extLst>
                 <a:ext uri="{91240B29-F687-4f45-9708-019B960494DF}">
-                  <a14:hiddenLine xmlns="" xmlns:a14="http://schemas.microsoft.com/office/drawing/2010/main" w="9525">
+                  <a14:hiddenLine xmlns:a14="http://schemas.microsoft.com/office/drawing/2010/main" xmlns="" w="9525">
                     <a:solidFill>
                       <a:srgbClr val="000000"/>
                     </a:solidFill>
@@ -10836,7 +10836,7 @@
               </a:ln>
               <a:extLst>
                 <a:ext uri="{91240B29-F687-4f45-9708-019B960494DF}">
-                  <a14:hiddenLine xmlns="" xmlns:a14="http://schemas.microsoft.com/office/drawing/2010/main" w="9525">
+                  <a14:hiddenLine xmlns:a14="http://schemas.microsoft.com/office/drawing/2010/main" xmlns="" w="9525">
                     <a:solidFill>
                       <a:srgbClr val="000000"/>
                     </a:solidFill>
@@ -10926,7 +10926,7 @@
               </a:ln>
               <a:extLst>
                 <a:ext uri="{91240B29-F687-4f45-9708-019B960494DF}">
-                  <a14:hiddenLine xmlns="" xmlns:a14="http://schemas.microsoft.com/office/drawing/2010/main" w="9525">
+                  <a14:hiddenLine xmlns:a14="http://schemas.microsoft.com/office/drawing/2010/main" xmlns="" w="9525">
                     <a:solidFill>
                       <a:srgbClr val="000000"/>
                     </a:solidFill>
@@ -10991,7 +10991,7 @@
               </a:ln>
               <a:extLst>
                 <a:ext uri="{91240B29-F687-4f45-9708-019B960494DF}">
-                  <a14:hiddenLine xmlns="" xmlns:a14="http://schemas.microsoft.com/office/drawing/2010/main" w="9525">
+                  <a14:hiddenLine xmlns:a14="http://schemas.microsoft.com/office/drawing/2010/main" xmlns="" w="9525">
                     <a:solidFill>
                       <a:srgbClr val="000000"/>
                     </a:solidFill>
@@ -11053,7 +11053,7 @@
               </a:ln>
               <a:extLst>
                 <a:ext uri="{91240B29-F687-4f45-9708-019B960494DF}">
-                  <a14:hiddenLine xmlns="" xmlns:a14="http://schemas.microsoft.com/office/drawing/2010/main" w="9525">
+                  <a14:hiddenLine xmlns:a14="http://schemas.microsoft.com/office/drawing/2010/main" xmlns="" w="9525">
                     <a:solidFill>
                       <a:srgbClr val="000000"/>
                     </a:solidFill>
@@ -11143,7 +11143,7 @@
               </a:ln>
               <a:extLst>
                 <a:ext uri="{91240B29-F687-4f45-9708-019B960494DF}">
-                  <a14:hiddenLine xmlns="" xmlns:a14="http://schemas.microsoft.com/office/drawing/2010/main" w="9525">
+                  <a14:hiddenLine xmlns:a14="http://schemas.microsoft.com/office/drawing/2010/main" xmlns="" w="9525">
                     <a:solidFill>
                       <a:srgbClr val="000000"/>
                     </a:solidFill>
@@ -11233,7 +11233,7 @@
               </a:ln>
               <a:extLst>
                 <a:ext uri="{91240B29-F687-4f45-9708-019B960494DF}">
-                  <a14:hiddenLine xmlns="" xmlns:a14="http://schemas.microsoft.com/office/drawing/2010/main" w="9525">
+                  <a14:hiddenLine xmlns:a14="http://schemas.microsoft.com/office/drawing/2010/main" xmlns="" w="9525">
                     <a:solidFill>
                       <a:srgbClr val="000000"/>
                     </a:solidFill>
@@ -11298,7 +11298,7 @@
               </a:ln>
               <a:extLst>
                 <a:ext uri="{91240B29-F687-4f45-9708-019B960494DF}">
-                  <a14:hiddenLine xmlns="" xmlns:a14="http://schemas.microsoft.com/office/drawing/2010/main" w="9525">
+                  <a14:hiddenLine xmlns:a14="http://schemas.microsoft.com/office/drawing/2010/main" xmlns="" w="9525">
                     <a:solidFill>
                       <a:srgbClr val="000000"/>
                     </a:solidFill>
@@ -11418,7 +11418,7 @@
               </a:ln>
               <a:extLst>
                 <a:ext uri="{91240B29-F687-4f45-9708-019B960494DF}">
-                  <a14:hiddenLine xmlns="" xmlns:a14="http://schemas.microsoft.com/office/drawing/2010/main" w="9525">
+                  <a14:hiddenLine xmlns:a14="http://schemas.microsoft.com/office/drawing/2010/main" xmlns="" w="9525">
                     <a:solidFill>
                       <a:srgbClr val="000000"/>
                     </a:solidFill>
@@ -11499,7 +11499,7 @@
               </a:ln>
               <a:extLst>
                 <a:ext uri="{91240B29-F687-4f45-9708-019B960494DF}">
-                  <a14:hiddenLine xmlns="" xmlns:a14="http://schemas.microsoft.com/office/drawing/2010/main" w="9525">
+                  <a14:hiddenLine xmlns:a14="http://schemas.microsoft.com/office/drawing/2010/main" xmlns="" w="9525">
                     <a:solidFill>
                       <a:srgbClr val="000000"/>
                     </a:solidFill>
@@ -11614,7 +11614,7 @@
               </a:ln>
               <a:extLst>
                 <a:ext uri="{91240B29-F687-4f45-9708-019B960494DF}">
-                  <a14:hiddenLine xmlns="" xmlns:a14="http://schemas.microsoft.com/office/drawing/2010/main" w="9525">
+                  <a14:hiddenLine xmlns:a14="http://schemas.microsoft.com/office/drawing/2010/main" xmlns="" w="9525">
                     <a:solidFill>
                       <a:srgbClr val="000000"/>
                     </a:solidFill>
@@ -11704,7 +11704,7 @@
               </a:ln>
               <a:extLst>
                 <a:ext uri="{91240B29-F687-4f45-9708-019B960494DF}">
-                  <a14:hiddenLine xmlns="" xmlns:a14="http://schemas.microsoft.com/office/drawing/2010/main" w="9525">
+                  <a14:hiddenLine xmlns:a14="http://schemas.microsoft.com/office/drawing/2010/main" xmlns="" w="9525">
                     <a:solidFill>
                       <a:srgbClr val="000000"/>
                     </a:solidFill>
@@ -11769,7 +11769,7 @@
               </a:ln>
               <a:extLst>
                 <a:ext uri="{91240B29-F687-4f45-9708-019B960494DF}">
-                  <a14:hiddenLine xmlns="" xmlns:a14="http://schemas.microsoft.com/office/drawing/2010/main" w="9525">
+                  <a14:hiddenLine xmlns:a14="http://schemas.microsoft.com/office/drawing/2010/main" xmlns="" w="9525">
                     <a:solidFill>
                       <a:srgbClr val="000000"/>
                     </a:solidFill>
@@ -11859,7 +11859,7 @@
               </a:ln>
               <a:extLst>
                 <a:ext uri="{91240B29-F687-4f45-9708-019B960494DF}">
-                  <a14:hiddenLine xmlns="" xmlns:a14="http://schemas.microsoft.com/office/drawing/2010/main" w="9525">
+                  <a14:hiddenLine xmlns:a14="http://schemas.microsoft.com/office/drawing/2010/main" xmlns="" w="9525">
                     <a:solidFill>
                       <a:srgbClr val="000000"/>
                     </a:solidFill>
@@ -11927,7 +11927,7 @@
               </a:ln>
               <a:extLst>
                 <a:ext uri="{91240B29-F687-4f45-9708-019B960494DF}">
-                  <a14:hiddenLine xmlns="" xmlns:a14="http://schemas.microsoft.com/office/drawing/2010/main" w="9525">
+                  <a14:hiddenLine xmlns:a14="http://schemas.microsoft.com/office/drawing/2010/main" xmlns="" w="9525">
                     <a:solidFill>
                       <a:srgbClr val="000000"/>
                     </a:solidFill>
@@ -12017,7 +12017,7 @@
               </a:ln>
               <a:extLst>
                 <a:ext uri="{91240B29-F687-4f45-9708-019B960494DF}">
-                  <a14:hiddenLine xmlns="" xmlns:a14="http://schemas.microsoft.com/office/drawing/2010/main" w="9525">
+                  <a14:hiddenLine xmlns:a14="http://schemas.microsoft.com/office/drawing/2010/main" xmlns="" w="9525">
                     <a:solidFill>
                       <a:srgbClr val="000000"/>
                     </a:solidFill>
@@ -12085,7 +12085,7 @@
               </a:ln>
               <a:extLst>
                 <a:ext uri="{91240B29-F687-4f45-9708-019B960494DF}">
-                  <a14:hiddenLine xmlns="" xmlns:a14="http://schemas.microsoft.com/office/drawing/2010/main" w="9525">
+                  <a14:hiddenLine xmlns:a14="http://schemas.microsoft.com/office/drawing/2010/main" xmlns="" w="9525">
                     <a:solidFill>
                       <a:srgbClr val="000000"/>
                     </a:solidFill>
@@ -12175,7 +12175,7 @@
               </a:ln>
               <a:extLst>
                 <a:ext uri="{91240B29-F687-4f45-9708-019B960494DF}">
-                  <a14:hiddenLine xmlns="" xmlns:a14="http://schemas.microsoft.com/office/drawing/2010/main" w="9525">
+                  <a14:hiddenLine xmlns:a14="http://schemas.microsoft.com/office/drawing/2010/main" xmlns="" w="9525">
                     <a:solidFill>
                       <a:srgbClr val="000000"/>
                     </a:solidFill>
@@ -12209,7 +12209,7 @@
               </a:ln>
               <a:extLst>
                 <a:ext uri="{91240B29-F687-4f45-9708-019B960494DF}">
-                  <a14:hiddenLine xmlns="" xmlns:a14="http://schemas.microsoft.com/office/drawing/2010/main" w="9525">
+                  <a14:hiddenLine xmlns:a14="http://schemas.microsoft.com/office/drawing/2010/main" xmlns="" w="9525">
                     <a:solidFill>
                       <a:srgbClr val="000000"/>
                     </a:solidFill>
@@ -12349,7 +12349,7 @@
           <a:p>
             <a:fld id="{E4FF0E52-0D25-4E4F-83CF-2907FAB66A12}" type="datetimeFigureOut">
               <a:rPr lang="ru-RU" smtClean="0"/>
-              <a:t>06.06.2022</a:t>
+              <a:t>07.06.2022</a:t>
             </a:fld>
             <a:endParaRPr lang="ru-RU"/>
           </a:p>
@@ -14909,6 +14909,174 @@
           </a:extLst>
         </p:spPr>
       </p:pic>
+      <p:sp>
+        <p:nvSpPr>
+          <p:cNvPr id="6" name="Заголовок 1"/>
+          <p:cNvSpPr txBox="1">
+            <a:spLocks/>
+          </p:cNvSpPr>
+          <p:nvPr/>
+        </p:nvSpPr>
+        <p:spPr>
+          <a:xfrm>
+            <a:off x="374073" y="5046033"/>
+            <a:ext cx="3524797" cy="448680"/>
+          </a:xfrm>
+          <a:prstGeom prst="rect">
+            <a:avLst/>
+          </a:prstGeom>
+        </p:spPr>
+        <p:txBody>
+          <a:bodyPr vert="horz" lIns="91440" tIns="45720" rIns="91440" bIns="45720" rtlCol="0" anchor="ctr">
+            <a:normAutofit fontScale="85000" lnSpcReduction="10000"/>
+          </a:bodyPr>
+          <a:lstStyle>
+            <a:lvl1pPr algn="l" defTabSz="914400" rtl="0" eaLnBrk="1" latinLnBrk="0" hangingPunct="1">
+              <a:lnSpc>
+                <a:spcPct val="90000"/>
+              </a:lnSpc>
+              <a:spcBef>
+                <a:spcPct val="0"/>
+              </a:spcBef>
+              <a:buNone/>
+              <a:defRPr sz="3600" kern="1200" cap="all" baseline="0">
+                <a:solidFill>
+                  <a:schemeClr val="tx1"/>
+                </a:solidFill>
+                <a:latin typeface="+mj-lt"/>
+                <a:ea typeface="+mj-ea"/>
+                <a:cs typeface="+mj-cs"/>
+              </a:defRPr>
+            </a:lvl1pPr>
+          </a:lstStyle>
+          <a:p>
+            <a:pPr algn="ctr"/>
+            <a:r>
+              <a:rPr lang="en-US" sz="1800" dirty="0" err="1" smtClean="0">
+                <a:latin typeface="Times New Roman" panose="02020603050405020304" pitchFamily="18" charset="0"/>
+                <a:cs typeface="Times New Roman" panose="02020603050405020304" pitchFamily="18" charset="0"/>
+              </a:rPr>
+              <a:t>Microsoft.office.interop.excel</a:t>
+            </a:r>
+            <a:endParaRPr lang="ru-RU" sz="1800" dirty="0">
+              <a:latin typeface="Times New Roman" panose="02020603050405020304" pitchFamily="18" charset="0"/>
+              <a:cs typeface="Times New Roman" panose="02020603050405020304" pitchFamily="18" charset="0"/>
+            </a:endParaRPr>
+          </a:p>
+        </p:txBody>
+      </p:sp>
+      <p:sp>
+        <p:nvSpPr>
+          <p:cNvPr id="7" name="Заголовок 1"/>
+          <p:cNvSpPr txBox="1">
+            <a:spLocks/>
+          </p:cNvSpPr>
+          <p:nvPr/>
+        </p:nvSpPr>
+        <p:spPr>
+          <a:xfrm>
+            <a:off x="3705990" y="5046033"/>
+            <a:ext cx="3524797" cy="448680"/>
+          </a:xfrm>
+          <a:prstGeom prst="rect">
+            <a:avLst/>
+          </a:prstGeom>
+        </p:spPr>
+        <p:txBody>
+          <a:bodyPr vert="horz" lIns="91440" tIns="45720" rIns="91440" bIns="45720" rtlCol="0" anchor="ctr">
+            <a:normAutofit/>
+          </a:bodyPr>
+          <a:lstStyle>
+            <a:lvl1pPr algn="l" defTabSz="914400" rtl="0" eaLnBrk="1" latinLnBrk="0" hangingPunct="1">
+              <a:lnSpc>
+                <a:spcPct val="90000"/>
+              </a:lnSpc>
+              <a:spcBef>
+                <a:spcPct val="0"/>
+              </a:spcBef>
+              <a:buNone/>
+              <a:defRPr sz="3600" kern="1200" cap="all" baseline="0">
+                <a:solidFill>
+                  <a:schemeClr val="tx1"/>
+                </a:solidFill>
+                <a:latin typeface="+mj-lt"/>
+                <a:ea typeface="+mj-ea"/>
+                <a:cs typeface="+mj-cs"/>
+              </a:defRPr>
+            </a:lvl1pPr>
+          </a:lstStyle>
+          <a:p>
+            <a:pPr algn="ctr"/>
+            <a:r>
+              <a:rPr lang="en-US" sz="1500" dirty="0" err="1" smtClean="0">
+                <a:latin typeface="Times New Roman" panose="02020603050405020304" pitchFamily="18" charset="0"/>
+                <a:cs typeface="Times New Roman" panose="02020603050405020304" pitchFamily="18" charset="0"/>
+              </a:rPr>
+              <a:t>Newtonsoft.json</a:t>
+            </a:r>
+            <a:endParaRPr lang="ru-RU" sz="1500" dirty="0">
+              <a:latin typeface="Times New Roman" panose="02020603050405020304" pitchFamily="18" charset="0"/>
+              <a:cs typeface="Times New Roman" panose="02020603050405020304" pitchFamily="18" charset="0"/>
+            </a:endParaRPr>
+          </a:p>
+        </p:txBody>
+      </p:sp>
+      <p:sp>
+        <p:nvSpPr>
+          <p:cNvPr id="8" name="Заголовок 1"/>
+          <p:cNvSpPr txBox="1">
+            <a:spLocks/>
+          </p:cNvSpPr>
+          <p:nvPr/>
+        </p:nvSpPr>
+        <p:spPr>
+          <a:xfrm>
+            <a:off x="7583574" y="5046033"/>
+            <a:ext cx="3524797" cy="448680"/>
+          </a:xfrm>
+          <a:prstGeom prst="rect">
+            <a:avLst/>
+          </a:prstGeom>
+        </p:spPr>
+        <p:txBody>
+          <a:bodyPr vert="horz" lIns="91440" tIns="45720" rIns="91440" bIns="45720" rtlCol="0" anchor="ctr">
+            <a:normAutofit/>
+          </a:bodyPr>
+          <a:lstStyle>
+            <a:lvl1pPr algn="l" defTabSz="914400" rtl="0" eaLnBrk="1" latinLnBrk="0" hangingPunct="1">
+              <a:lnSpc>
+                <a:spcPct val="90000"/>
+              </a:lnSpc>
+              <a:spcBef>
+                <a:spcPct val="0"/>
+              </a:spcBef>
+              <a:buNone/>
+              <a:defRPr sz="3600" kern="1200" cap="all" baseline="0">
+                <a:solidFill>
+                  <a:schemeClr val="tx1"/>
+                </a:solidFill>
+                <a:latin typeface="+mj-lt"/>
+                <a:ea typeface="+mj-ea"/>
+                <a:cs typeface="+mj-cs"/>
+              </a:defRPr>
+            </a:lvl1pPr>
+          </a:lstStyle>
+          <a:p>
+            <a:pPr algn="ctr"/>
+            <a:r>
+              <a:rPr lang="en-US" sz="1500" dirty="0" smtClean="0">
+                <a:latin typeface="Times New Roman" panose="02020603050405020304" pitchFamily="18" charset="0"/>
+                <a:cs typeface="Times New Roman" panose="02020603050405020304" pitchFamily="18" charset="0"/>
+              </a:rPr>
+              <a:t>iText7</a:t>
+            </a:r>
+            <a:endParaRPr lang="ru-RU" sz="1500" dirty="0">
+              <a:latin typeface="Times New Roman" panose="02020603050405020304" pitchFamily="18" charset="0"/>
+              <a:cs typeface="Times New Roman" panose="02020603050405020304" pitchFamily="18" charset="0"/>
+            </a:endParaRPr>
+          </a:p>
+        </p:txBody>
+      </p:sp>
     </p:spTree>
     <p:extLst>
       <p:ext uri="{BB962C8B-B14F-4D97-AF65-F5344CB8AC3E}">
